--- a/short/intro-jupyter-notebooks-python/slides.pptx
+++ b/short/intro-jupyter-notebooks-python/slides.pptx
@@ -8,7 +8,7 @@
     <p:sldMasterId id="2147485227" r:id="rId4"/>
   </p:sldMasterIdLst>
   <p:notesMasterIdLst>
-    <p:notesMasterId r:id="rId36"/>
+    <p:notesMasterId r:id="rId37"/>
   </p:notesMasterIdLst>
   <p:sldIdLst>
     <p:sldId id="258" r:id="rId5"/>
@@ -41,12 +41,13 @@
     <p:sldId id="312" r:id="rId32"/>
     <p:sldId id="314" r:id="rId33"/>
     <p:sldId id="316" r:id="rId34"/>
-    <p:sldId id="318" r:id="rId35"/>
+    <p:sldId id="319" r:id="rId35"/>
+    <p:sldId id="318" r:id="rId36"/>
   </p:sldIdLst>
   <p:sldSz cx="12192000" cy="6858000"/>
   <p:notesSz cx="6858000" cy="9144000"/>
   <p:custDataLst>
-    <p:tags r:id="rId37"/>
+    <p:tags r:id="rId38"/>
   </p:custDataLst>
   <p:defaultTextStyle>
     <a:defPPr>
@@ -235,7 +236,7 @@
           </a:lstStyle>
           <a:p>
             <a:fld id="{9FDE8860-D534-461C-B7C4-4306F9DFD5E9}" type="datetimeFigureOut">
-              <a:t>2/15/22</a:t>
+              <a:t>2/17/22</a:t>
             </a:fld>
             <a:endParaRPr/>
           </a:p>
@@ -3451,7 +3452,7 @@
           <a:p>
             <a:fld id="{7211D513-83ED-4716-AA4D-71939D7B9A54}" type="datetimeFigureOut">
               <a:rPr lang="en-US" smtClean="0"/>
-              <a:t>2/15/22</a:t>
+              <a:t>2/17/22</a:t>
             </a:fld>
             <a:endParaRPr lang="en-US"/>
           </a:p>
@@ -3614,7 +3615,7 @@
           <a:p>
             <a:fld id="{987EB9C6-7C3A-44D8-9CE3-7511BE0E2A72}" type="datetimeFigureOut">
               <a:rPr lang="en-US" smtClean="0"/>
-              <a:t>2/15/22</a:t>
+              <a:t>2/17/22</a:t>
             </a:fld>
             <a:endParaRPr lang="en-US"/>
           </a:p>
@@ -4330,7 +4331,7 @@
         <p:fade/>
       </p:transition>
     </mc:Choice>
-    <mc:Fallback xmlns="" xmlns:m="http://schemas.openxmlformats.org/officeDocument/2006/math" xmlns:w="http://schemas.openxmlformats.org/wordprocessingml/2006/main" xmlns:wp="http://schemas.openxmlformats.org/drawingml/2006/wordprocessingDrawing" xmlns:a14="http://schemas.microsoft.com/office/drawing/2010/main" xmlns:p15="http://schemas.microsoft.com/office/powerpoint/2012/main" xmlns:p159="http://schemas.microsoft.com/office/powerpoint/2015/09/main">
+    <mc:Fallback xmlns:p159="http://schemas.microsoft.com/office/powerpoint/2015/09/main" xmlns:p15="http://schemas.microsoft.com/office/powerpoint/2012/main" xmlns:a14="http://schemas.microsoft.com/office/drawing/2010/main" xmlns:wp="http://schemas.openxmlformats.org/drawingml/2006/wordprocessingDrawing" xmlns:w="http://schemas.openxmlformats.org/wordprocessingml/2006/main" xmlns:m="http://schemas.openxmlformats.org/officeDocument/2006/math" xmlns="">
       <p:transition spd="med">
         <p:fade/>
       </p:transition>
@@ -4572,7 +4573,7 @@
         <p:fade/>
       </p:transition>
     </mc:Choice>
-    <mc:Fallback xmlns="" xmlns:m="http://schemas.openxmlformats.org/officeDocument/2006/math" xmlns:w="http://schemas.openxmlformats.org/wordprocessingml/2006/main" xmlns:wp="http://schemas.openxmlformats.org/drawingml/2006/wordprocessingDrawing" xmlns:a14="http://schemas.microsoft.com/office/drawing/2010/main" xmlns:p15="http://schemas.microsoft.com/office/powerpoint/2012/main" xmlns:p159="http://schemas.microsoft.com/office/powerpoint/2015/09/main">
+    <mc:Fallback xmlns:p159="http://schemas.microsoft.com/office/powerpoint/2015/09/main" xmlns:p15="http://schemas.microsoft.com/office/powerpoint/2012/main" xmlns:a14="http://schemas.microsoft.com/office/drawing/2010/main" xmlns:wp="http://schemas.openxmlformats.org/drawingml/2006/wordprocessingDrawing" xmlns:w="http://schemas.openxmlformats.org/wordprocessingml/2006/main" xmlns:m="http://schemas.openxmlformats.org/officeDocument/2006/math" xmlns="">
       <p:transition spd="med">
         <p:fade/>
       </p:transition>
@@ -6508,7 +6509,7 @@
           <a:p>
             <a:fld id="{C0F9D533-2517-489B-B1D5-DB708A2001C6}" type="datetimeFigureOut">
               <a:rPr lang="en-US" smtClean="0"/>
-              <a:t>2/15/22</a:t>
+              <a:t>2/17/22</a:t>
             </a:fld>
             <a:endParaRPr lang="en-US"/>
           </a:p>
@@ -9590,7 +9591,7 @@
         <p:fade/>
       </p:transition>
     </mc:Choice>
-    <mc:Fallback xmlns="" xmlns:m="http://schemas.openxmlformats.org/officeDocument/2006/math" xmlns:w="http://schemas.openxmlformats.org/wordprocessingml/2006/main" xmlns:wp="http://schemas.openxmlformats.org/drawingml/2006/wordprocessingDrawing" xmlns:a14="http://schemas.microsoft.com/office/drawing/2010/main" xmlns:p15="http://schemas.microsoft.com/office/powerpoint/2012/main" xmlns:p159="http://schemas.microsoft.com/office/powerpoint/2015/09/main">
+    <mc:Fallback xmlns:p159="http://schemas.microsoft.com/office/powerpoint/2015/09/main" xmlns:p15="http://schemas.microsoft.com/office/powerpoint/2012/main" xmlns:a14="http://schemas.microsoft.com/office/drawing/2010/main" xmlns:wp="http://schemas.openxmlformats.org/drawingml/2006/wordprocessingDrawing" xmlns:w="http://schemas.openxmlformats.org/wordprocessingml/2006/main" xmlns:m="http://schemas.openxmlformats.org/officeDocument/2006/math" xmlns="">
       <p:transition spd="med">
         <p:fade/>
       </p:transition>
@@ -13613,7 +13614,7 @@
         <p:fade/>
       </p:transition>
     </mc:Choice>
-    <mc:Fallback xmlns="" xmlns:m="http://schemas.openxmlformats.org/officeDocument/2006/math" xmlns:w="http://schemas.openxmlformats.org/wordprocessingml/2006/main" xmlns:wp="http://schemas.openxmlformats.org/drawingml/2006/wordprocessingDrawing" xmlns:a14="http://schemas.microsoft.com/office/drawing/2010/main" xmlns:p15="http://schemas.microsoft.com/office/powerpoint/2012/main" xmlns:p159="http://schemas.microsoft.com/office/powerpoint/2015/09/main">
+    <mc:Fallback xmlns:p159="http://schemas.microsoft.com/office/powerpoint/2015/09/main" xmlns:p15="http://schemas.microsoft.com/office/powerpoint/2012/main" xmlns:a14="http://schemas.microsoft.com/office/drawing/2010/main" xmlns:wp="http://schemas.openxmlformats.org/drawingml/2006/wordprocessingDrawing" xmlns:w="http://schemas.openxmlformats.org/wordprocessingml/2006/main" xmlns:m="http://schemas.openxmlformats.org/officeDocument/2006/math" xmlns="">
       <p:transition spd="med">
         <p:fade/>
       </p:transition>
@@ -16451,7 +16452,7 @@
         <p:fade/>
       </p:transition>
     </mc:Choice>
-    <mc:Fallback xmlns="" xmlns:m="http://schemas.openxmlformats.org/officeDocument/2006/math" xmlns:w="http://schemas.openxmlformats.org/wordprocessingml/2006/main" xmlns:wp="http://schemas.openxmlformats.org/drawingml/2006/wordprocessingDrawing" xmlns:a14="http://schemas.microsoft.com/office/drawing/2010/main" xmlns:p15="http://schemas.microsoft.com/office/powerpoint/2012/main" xmlns:p159="http://schemas.microsoft.com/office/powerpoint/2015/09/main">
+    <mc:Fallback xmlns:p159="http://schemas.microsoft.com/office/powerpoint/2015/09/main" xmlns:p15="http://schemas.microsoft.com/office/powerpoint/2012/main" xmlns:a14="http://schemas.microsoft.com/office/drawing/2010/main" xmlns:wp="http://schemas.openxmlformats.org/drawingml/2006/wordprocessingDrawing" xmlns:w="http://schemas.openxmlformats.org/wordprocessingml/2006/main" xmlns:m="http://schemas.openxmlformats.org/officeDocument/2006/math" xmlns="">
       <p:transition spd="med">
         <p:fade/>
       </p:transition>
@@ -16642,7 +16643,7 @@
         <p:fade/>
       </p:transition>
     </mc:Choice>
-    <mc:Fallback xmlns="" xmlns:m="http://schemas.openxmlformats.org/officeDocument/2006/math" xmlns:w="http://schemas.openxmlformats.org/wordprocessingml/2006/main" xmlns:wp="http://schemas.openxmlformats.org/drawingml/2006/wordprocessingDrawing" xmlns:a14="http://schemas.microsoft.com/office/drawing/2010/main" xmlns:p15="http://schemas.microsoft.com/office/powerpoint/2012/main" xmlns:p159="http://schemas.microsoft.com/office/powerpoint/2015/09/main">
+    <mc:Fallback xmlns:p159="http://schemas.microsoft.com/office/powerpoint/2015/09/main" xmlns:p15="http://schemas.microsoft.com/office/powerpoint/2012/main" xmlns:a14="http://schemas.microsoft.com/office/drawing/2010/main" xmlns:wp="http://schemas.openxmlformats.org/drawingml/2006/wordprocessingDrawing" xmlns:w="http://schemas.openxmlformats.org/wordprocessingml/2006/main" xmlns:m="http://schemas.openxmlformats.org/officeDocument/2006/math" xmlns="">
       <p:transition spd="med">
         <p:fade/>
       </p:transition>
@@ -16757,7 +16758,7 @@
         <p:fade/>
       </p:transition>
     </mc:Choice>
-    <mc:Fallback xmlns="" xmlns:m="http://schemas.openxmlformats.org/officeDocument/2006/math" xmlns:w="http://schemas.openxmlformats.org/wordprocessingml/2006/main" xmlns:wp="http://schemas.openxmlformats.org/drawingml/2006/wordprocessingDrawing" xmlns:a14="http://schemas.microsoft.com/office/drawing/2010/main" xmlns:p15="http://schemas.microsoft.com/office/powerpoint/2012/main" xmlns:p159="http://schemas.microsoft.com/office/powerpoint/2015/09/main">
+    <mc:Fallback xmlns:p159="http://schemas.microsoft.com/office/powerpoint/2015/09/main" xmlns:p15="http://schemas.microsoft.com/office/powerpoint/2012/main" xmlns:a14="http://schemas.microsoft.com/office/drawing/2010/main" xmlns:wp="http://schemas.openxmlformats.org/drawingml/2006/wordprocessingDrawing" xmlns:w="http://schemas.openxmlformats.org/wordprocessingml/2006/main" xmlns:m="http://schemas.openxmlformats.org/officeDocument/2006/math" xmlns="">
       <p:transition spd="med">
         <p:fade/>
       </p:transition>
@@ -18402,7 +18403,7 @@
         <p:fade/>
       </p:transition>
     </mc:Choice>
-    <mc:Fallback xmlns="" xmlns:m="http://schemas.openxmlformats.org/officeDocument/2006/math" xmlns:w="http://schemas.openxmlformats.org/wordprocessingml/2006/main" xmlns:wp="http://schemas.openxmlformats.org/drawingml/2006/wordprocessingDrawing" xmlns:a14="http://schemas.microsoft.com/office/drawing/2010/main" xmlns:p15="http://schemas.microsoft.com/office/powerpoint/2012/main" xmlns:p159="http://schemas.microsoft.com/office/powerpoint/2015/09/main">
+    <mc:Fallback xmlns:p159="http://schemas.microsoft.com/office/powerpoint/2015/09/main" xmlns:p15="http://schemas.microsoft.com/office/powerpoint/2012/main" xmlns:a14="http://schemas.microsoft.com/office/drawing/2010/main" xmlns:wp="http://schemas.openxmlformats.org/drawingml/2006/wordprocessingDrawing" xmlns:w="http://schemas.openxmlformats.org/wordprocessingml/2006/main" xmlns:m="http://schemas.openxmlformats.org/officeDocument/2006/math" xmlns="">
       <p:transition spd="med">
         <p:fade/>
       </p:transition>
@@ -18620,7 +18621,7 @@
         <p:fade/>
       </p:transition>
     </mc:Choice>
-    <mc:Fallback xmlns="" xmlns:m="http://schemas.openxmlformats.org/officeDocument/2006/math" xmlns:w="http://schemas.openxmlformats.org/wordprocessingml/2006/main" xmlns:wp="http://schemas.openxmlformats.org/drawingml/2006/wordprocessingDrawing" xmlns:a14="http://schemas.microsoft.com/office/drawing/2010/main" xmlns:p15="http://schemas.microsoft.com/office/powerpoint/2012/main" xmlns:p159="http://schemas.microsoft.com/office/powerpoint/2015/09/main">
+    <mc:Fallback xmlns:p159="http://schemas.microsoft.com/office/powerpoint/2015/09/main" xmlns:p15="http://schemas.microsoft.com/office/powerpoint/2012/main" xmlns:a14="http://schemas.microsoft.com/office/drawing/2010/main" xmlns:wp="http://schemas.openxmlformats.org/drawingml/2006/wordprocessingDrawing" xmlns:w="http://schemas.openxmlformats.org/wordprocessingml/2006/main" xmlns:m="http://schemas.openxmlformats.org/officeDocument/2006/math" xmlns="">
       <p:transition spd="med">
         <p:fade/>
       </p:transition>
@@ -19451,7 +19452,7 @@
           <a:p>
             <a:fld id="{53FD0D02-1E0D-44DD-86B7-4E9E5F396778}" type="datetimeFigureOut">
               <a:rPr lang="en-US" smtClean="0"/>
-              <a:t>2/15/22</a:t>
+              <a:t>2/17/22</a:t>
             </a:fld>
             <a:endParaRPr lang="en-US"/>
           </a:p>
@@ -22704,7 +22705,7 @@
           <a:p>
             <a:fld id="{83CD4ABB-20EE-458E-8BF1-94BCB512BB0B}" type="datetimeFigureOut">
               <a:rPr lang="en-US" smtClean="0"/>
-              <a:t>2/15/22</a:t>
+              <a:t>2/17/22</a:t>
             </a:fld>
             <a:endParaRPr lang="en-US"/>
           </a:p>
@@ -25310,7 +25311,7 @@
           <a:p>
             <a:fld id="{4F27B81F-A9BD-4D65-9920-542F1E367CD9}" type="datetimeFigureOut">
               <a:rPr lang="en-US" smtClean="0"/>
-              <a:t>2/15/22</a:t>
+              <a:t>2/17/22</a:t>
             </a:fld>
             <a:endParaRPr lang="en-US"/>
           </a:p>
@@ -29900,7 +29901,7 @@
           <a:p>
             <a:fld id="{92DEE33A-FC6D-4F30-9E86-5167E5634110}" type="datetimeFigureOut">
               <a:rPr lang="en-US" smtClean="0"/>
-              <a:t>2/15/22</a:t>
+              <a:t>2/17/22</a:t>
             </a:fld>
             <a:endParaRPr lang="en-US"/>
           </a:p>
@@ -31507,7 +31508,7 @@
         <p:fade/>
       </p:transition>
     </mc:Choice>
-    <mc:Fallback xmlns="" xmlns:m="http://schemas.openxmlformats.org/officeDocument/2006/math" xmlns:w="http://schemas.openxmlformats.org/wordprocessingml/2006/main" xmlns:wp="http://schemas.openxmlformats.org/drawingml/2006/wordprocessingDrawing" xmlns:a14="http://schemas.microsoft.com/office/drawing/2010/main" xmlns:p15="http://schemas.microsoft.com/office/powerpoint/2012/main" xmlns:p159="http://schemas.microsoft.com/office/powerpoint/2015/09/main">
+    <mc:Fallback xmlns:p159="http://schemas.microsoft.com/office/powerpoint/2015/09/main" xmlns:p15="http://schemas.microsoft.com/office/powerpoint/2012/main" xmlns:a14="http://schemas.microsoft.com/office/drawing/2010/main" xmlns:wp="http://schemas.openxmlformats.org/drawingml/2006/wordprocessingDrawing" xmlns:w="http://schemas.openxmlformats.org/wordprocessingml/2006/main" xmlns:m="http://schemas.openxmlformats.org/officeDocument/2006/math" xmlns="">
       <p:transition spd="med">
         <p:fade/>
       </p:transition>
@@ -31701,7 +31702,7 @@
         <p:fade/>
       </p:transition>
     </mc:Choice>
-    <mc:Fallback xmlns="" xmlns:m="http://schemas.openxmlformats.org/officeDocument/2006/math" xmlns:w="http://schemas.openxmlformats.org/wordprocessingml/2006/main" xmlns:wp="http://schemas.openxmlformats.org/drawingml/2006/wordprocessingDrawing" xmlns:a14="http://schemas.microsoft.com/office/drawing/2010/main" xmlns:p15="http://schemas.microsoft.com/office/powerpoint/2012/main" xmlns:p159="http://schemas.microsoft.com/office/powerpoint/2015/09/main">
+    <mc:Fallback xmlns:p159="http://schemas.microsoft.com/office/powerpoint/2015/09/main" xmlns:p15="http://schemas.microsoft.com/office/powerpoint/2012/main" xmlns:a14="http://schemas.microsoft.com/office/drawing/2010/main" xmlns:wp="http://schemas.openxmlformats.org/drawingml/2006/wordprocessingDrawing" xmlns:w="http://schemas.openxmlformats.org/wordprocessingml/2006/main" xmlns:m="http://schemas.openxmlformats.org/officeDocument/2006/math" xmlns="">
       <p:transition spd="med">
         <p:fade/>
       </p:transition>
@@ -31821,7 +31822,7 @@
         <p:fade/>
       </p:transition>
     </mc:Choice>
-    <mc:Fallback xmlns="" xmlns:m="http://schemas.openxmlformats.org/officeDocument/2006/math" xmlns:w="http://schemas.openxmlformats.org/wordprocessingml/2006/main" xmlns:wp="http://schemas.openxmlformats.org/drawingml/2006/wordprocessingDrawing" xmlns:a14="http://schemas.microsoft.com/office/drawing/2010/main" xmlns:p15="http://schemas.microsoft.com/office/powerpoint/2012/main" xmlns:p159="http://schemas.microsoft.com/office/powerpoint/2015/09/main">
+    <mc:Fallback xmlns:p159="http://schemas.microsoft.com/office/powerpoint/2015/09/main" xmlns:p15="http://schemas.microsoft.com/office/powerpoint/2012/main" xmlns:a14="http://schemas.microsoft.com/office/drawing/2010/main" xmlns:wp="http://schemas.openxmlformats.org/drawingml/2006/wordprocessingDrawing" xmlns:w="http://schemas.openxmlformats.org/wordprocessingml/2006/main" xmlns:m="http://schemas.openxmlformats.org/officeDocument/2006/math" xmlns="">
       <p:transition spd="med">
         <p:fade/>
       </p:transition>
@@ -32589,7 +32590,7 @@
           <a:p>
             <a:fld id="{D17951E6-9DB8-4B3D-BAF4-C11454061479}" type="datetimeFigureOut">
               <a:rPr lang="en-US" smtClean="0"/>
-              <a:t>2/15/22</a:t>
+              <a:t>2/17/22</a:t>
             </a:fld>
             <a:endParaRPr lang="en-US"/>
           </a:p>
@@ -32953,7 +32954,7 @@
         <p:fade/>
       </p:transition>
     </mc:Choice>
-    <mc:Fallback xmlns="" xmlns:m="http://schemas.openxmlformats.org/officeDocument/2006/math" xmlns:w="http://schemas.openxmlformats.org/wordprocessingml/2006/main" xmlns:wp="http://schemas.openxmlformats.org/drawingml/2006/wordprocessingDrawing" xmlns:a14="http://schemas.microsoft.com/office/drawing/2010/main" xmlns:p15="http://schemas.microsoft.com/office/powerpoint/2012/main" xmlns:p159="http://schemas.microsoft.com/office/powerpoint/2015/09/main">
+    <mc:Fallback xmlns:p159="http://schemas.microsoft.com/office/powerpoint/2015/09/main" xmlns:p15="http://schemas.microsoft.com/office/powerpoint/2012/main" xmlns:a14="http://schemas.microsoft.com/office/drawing/2010/main" xmlns:wp="http://schemas.openxmlformats.org/drawingml/2006/wordprocessingDrawing" xmlns:w="http://schemas.openxmlformats.org/wordprocessingml/2006/main" xmlns:m="http://schemas.openxmlformats.org/officeDocument/2006/math" xmlns="">
       <p:transition spd="med">
         <p:fade/>
       </p:transition>
@@ -33195,7 +33196,7 @@
         <p:fade/>
       </p:transition>
     </mc:Choice>
-    <mc:Fallback xmlns="" xmlns:m="http://schemas.openxmlformats.org/officeDocument/2006/math" xmlns:w="http://schemas.openxmlformats.org/wordprocessingml/2006/main" xmlns:wp="http://schemas.openxmlformats.org/drawingml/2006/wordprocessingDrawing" xmlns:a14="http://schemas.microsoft.com/office/drawing/2010/main" xmlns:p15="http://schemas.microsoft.com/office/powerpoint/2012/main" xmlns:p159="http://schemas.microsoft.com/office/powerpoint/2015/09/main">
+    <mc:Fallback xmlns:p159="http://schemas.microsoft.com/office/powerpoint/2015/09/main" xmlns:p15="http://schemas.microsoft.com/office/powerpoint/2012/main" xmlns:a14="http://schemas.microsoft.com/office/drawing/2010/main" xmlns:wp="http://schemas.openxmlformats.org/drawingml/2006/wordprocessingDrawing" xmlns:w="http://schemas.openxmlformats.org/wordprocessingml/2006/main" xmlns:m="http://schemas.openxmlformats.org/officeDocument/2006/math" xmlns="">
       <p:transition spd="med">
         <p:fade/>
       </p:transition>
@@ -35878,7 +35879,7 @@
           <a:p>
             <a:fld id="{09E28DB3-2B7E-4228-96F4-8C1FFAAB5896}" type="datetimeFigureOut">
               <a:rPr lang="en-US" smtClean="0"/>
-              <a:t>2/15/22</a:t>
+              <a:t>2/17/22</a:t>
             </a:fld>
             <a:endParaRPr lang="en-US"/>
           </a:p>
@@ -38481,7 +38482,7 @@
           <a:p>
             <a:fld id="{2F6F2114-6B76-4BFA-A431-938C376D7504}" type="datetimeFigureOut">
               <a:rPr lang="en-US" smtClean="0"/>
-              <a:t>2/15/22</a:t>
+              <a:t>2/17/22</a:t>
             </a:fld>
             <a:endParaRPr lang="en-US"/>
           </a:p>
@@ -42564,7 +42565,7 @@
           <a:p>
             <a:fld id="{09331913-DA08-436B-B174-68D4332098A3}" type="datetimeFigureOut">
               <a:rPr lang="en-US" smtClean="0"/>
-              <a:t>2/15/22</a:t>
+              <a:t>2/17/22</a:t>
             </a:fld>
             <a:endParaRPr lang="en-US"/>
           </a:p>
@@ -44904,7 +44905,7 @@
         <p:fade/>
       </p:transition>
     </mc:Choice>
-    <mc:Fallback xmlns="" xmlns:m="http://schemas.openxmlformats.org/officeDocument/2006/math" xmlns:w="http://schemas.openxmlformats.org/wordprocessingml/2006/main" xmlns:wp="http://schemas.openxmlformats.org/drawingml/2006/wordprocessingDrawing" xmlns:a14="http://schemas.microsoft.com/office/drawing/2010/main" xmlns:p15="http://schemas.microsoft.com/office/powerpoint/2012/main" xmlns:p159="http://schemas.microsoft.com/office/powerpoint/2015/09/main">
+    <mc:Fallback xmlns:p159="http://schemas.microsoft.com/office/powerpoint/2015/09/main" xmlns:p15="http://schemas.microsoft.com/office/powerpoint/2012/main" xmlns:a14="http://schemas.microsoft.com/office/drawing/2010/main" xmlns:wp="http://schemas.openxmlformats.org/drawingml/2006/wordprocessingDrawing" xmlns:w="http://schemas.openxmlformats.org/wordprocessingml/2006/main" xmlns:m="http://schemas.openxmlformats.org/officeDocument/2006/math" xmlns="">
       <p:transition spd="med">
         <p:fade/>
       </p:transition>
@@ -45095,7 +45096,7 @@
         <p:fade/>
       </p:transition>
     </mc:Choice>
-    <mc:Fallback xmlns="" xmlns:m="http://schemas.openxmlformats.org/officeDocument/2006/math" xmlns:w="http://schemas.openxmlformats.org/wordprocessingml/2006/main" xmlns:wp="http://schemas.openxmlformats.org/drawingml/2006/wordprocessingDrawing" xmlns:a14="http://schemas.microsoft.com/office/drawing/2010/main" xmlns:p15="http://schemas.microsoft.com/office/powerpoint/2012/main" xmlns:p159="http://schemas.microsoft.com/office/powerpoint/2015/09/main">
+    <mc:Fallback xmlns:p159="http://schemas.microsoft.com/office/powerpoint/2015/09/main" xmlns:p15="http://schemas.microsoft.com/office/powerpoint/2012/main" xmlns:a14="http://schemas.microsoft.com/office/drawing/2010/main" xmlns:wp="http://schemas.openxmlformats.org/drawingml/2006/wordprocessingDrawing" xmlns:w="http://schemas.openxmlformats.org/wordprocessingml/2006/main" xmlns:m="http://schemas.openxmlformats.org/officeDocument/2006/math" xmlns="">
       <p:transition spd="med">
         <p:fade/>
       </p:transition>
@@ -45210,7 +45211,7 @@
         <p:fade/>
       </p:transition>
     </mc:Choice>
-    <mc:Fallback xmlns="" xmlns:m="http://schemas.openxmlformats.org/officeDocument/2006/math" xmlns:w="http://schemas.openxmlformats.org/wordprocessingml/2006/main" xmlns:wp="http://schemas.openxmlformats.org/drawingml/2006/wordprocessingDrawing" xmlns:a14="http://schemas.microsoft.com/office/drawing/2010/main" xmlns:p15="http://schemas.microsoft.com/office/powerpoint/2012/main" xmlns:p159="http://schemas.microsoft.com/office/powerpoint/2015/09/main">
+    <mc:Fallback xmlns:p159="http://schemas.microsoft.com/office/powerpoint/2015/09/main" xmlns:p15="http://schemas.microsoft.com/office/powerpoint/2012/main" xmlns:a14="http://schemas.microsoft.com/office/drawing/2010/main" xmlns:wp="http://schemas.openxmlformats.org/drawingml/2006/wordprocessingDrawing" xmlns:w="http://schemas.openxmlformats.org/wordprocessingml/2006/main" xmlns:m="http://schemas.openxmlformats.org/officeDocument/2006/math" xmlns="">
       <p:transition spd="med">
         <p:fade/>
       </p:transition>
@@ -45722,7 +45723,7 @@
           <a:p>
             <a:fld id="{E8FD0B7A-F5DD-4F40-B4CB-3B2C354B893A}" type="datetimeFigureOut">
               <a:rPr lang="en-US" smtClean="0"/>
-              <a:t>2/15/22</a:t>
+              <a:t>2/17/22</a:t>
             </a:fld>
             <a:endParaRPr lang="en-US"/>
           </a:p>
@@ -57783,6 +57784,935 @@
           <a:chExt cx="0" cy="0"/>
         </a:xfrm>
       </p:grpSpPr>
+      <p:sp>
+        <p:nvSpPr>
+          <p:cNvPr id="4" name="Title 1">
+            <a:extLst>
+              <a:ext uri="{FF2B5EF4-FFF2-40B4-BE49-F238E27FC236}">
+                <a16:creationId xmlns:a16="http://schemas.microsoft.com/office/drawing/2014/main" id="{597D33D6-4FBF-3F45-AE68-458F59C6F836}"/>
+              </a:ext>
+            </a:extLst>
+          </p:cNvPr>
+          <p:cNvSpPr txBox="1">
+            <a:spLocks/>
+          </p:cNvSpPr>
+          <p:nvPr/>
+        </p:nvSpPr>
+        <p:spPr>
+          <a:xfrm>
+            <a:off x="484632" y="810714"/>
+            <a:ext cx="11018520" cy="553998"/>
+          </a:xfrm>
+          <a:prstGeom prst="rect">
+            <a:avLst/>
+          </a:prstGeom>
+        </p:spPr>
+        <p:txBody>
+          <a:bodyPr vert="horz" wrap="square" lIns="0" tIns="0" rIns="0" bIns="0" rtlCol="0" anchor="t">
+            <a:normAutofit/>
+          </a:bodyPr>
+          <a:lstStyle>
+            <a:defPPr>
+              <a:defRPr lang="en-US"/>
+            </a:defPPr>
+            <a:lvl1pPr marL="0" algn="l" defTabSz="914400" rtl="0" eaLnBrk="1" latinLnBrk="0" hangingPunct="1">
+              <a:defRPr sz="1800" kern="1200">
+                <a:solidFill>
+                  <a:schemeClr val="tx1"/>
+                </a:solidFill>
+                <a:latin typeface="+mn-lt"/>
+                <a:ea typeface="+mn-ea"/>
+                <a:cs typeface="+mn-cs"/>
+              </a:defRPr>
+            </a:lvl1pPr>
+            <a:lvl2pPr marL="457200" algn="l" defTabSz="914400" rtl="0" eaLnBrk="1" latinLnBrk="0" hangingPunct="1">
+              <a:defRPr sz="1800" kern="1200">
+                <a:solidFill>
+                  <a:schemeClr val="tx1"/>
+                </a:solidFill>
+                <a:latin typeface="+mn-lt"/>
+                <a:ea typeface="+mn-ea"/>
+                <a:cs typeface="+mn-cs"/>
+              </a:defRPr>
+            </a:lvl2pPr>
+            <a:lvl3pPr marL="914400" algn="l" defTabSz="914400" rtl="0" eaLnBrk="1" latinLnBrk="0" hangingPunct="1">
+              <a:defRPr sz="1800" kern="1200">
+                <a:solidFill>
+                  <a:schemeClr val="tx1"/>
+                </a:solidFill>
+                <a:latin typeface="+mn-lt"/>
+                <a:ea typeface="+mn-ea"/>
+                <a:cs typeface="+mn-cs"/>
+              </a:defRPr>
+            </a:lvl3pPr>
+            <a:lvl4pPr marL="1371600" algn="l" defTabSz="914400" rtl="0" eaLnBrk="1" latinLnBrk="0" hangingPunct="1">
+              <a:defRPr sz="1800" kern="1200">
+                <a:solidFill>
+                  <a:schemeClr val="tx1"/>
+                </a:solidFill>
+                <a:latin typeface="+mn-lt"/>
+                <a:ea typeface="+mn-ea"/>
+                <a:cs typeface="+mn-cs"/>
+              </a:defRPr>
+            </a:lvl4pPr>
+            <a:lvl5pPr marL="1828800" algn="l" defTabSz="914400" rtl="0" eaLnBrk="1" latinLnBrk="0" hangingPunct="1">
+              <a:defRPr sz="1800" kern="1200">
+                <a:solidFill>
+                  <a:schemeClr val="tx1"/>
+                </a:solidFill>
+                <a:latin typeface="+mn-lt"/>
+                <a:ea typeface="+mn-ea"/>
+                <a:cs typeface="+mn-cs"/>
+              </a:defRPr>
+            </a:lvl5pPr>
+            <a:lvl6pPr marL="2286000" algn="l" defTabSz="914400" rtl="0" eaLnBrk="1" latinLnBrk="0" hangingPunct="1">
+              <a:defRPr sz="1800" kern="1200">
+                <a:solidFill>
+                  <a:schemeClr val="tx1"/>
+                </a:solidFill>
+                <a:latin typeface="+mn-lt"/>
+                <a:ea typeface="+mn-ea"/>
+                <a:cs typeface="+mn-cs"/>
+              </a:defRPr>
+            </a:lvl6pPr>
+            <a:lvl7pPr marL="2743200" algn="l" defTabSz="914400" rtl="0" eaLnBrk="1" latinLnBrk="0" hangingPunct="1">
+              <a:defRPr sz="1800" kern="1200">
+                <a:solidFill>
+                  <a:schemeClr val="tx1"/>
+                </a:solidFill>
+                <a:latin typeface="+mn-lt"/>
+                <a:ea typeface="+mn-ea"/>
+                <a:cs typeface="+mn-cs"/>
+              </a:defRPr>
+            </a:lvl7pPr>
+            <a:lvl8pPr marL="3200400" algn="l" defTabSz="914400" rtl="0" eaLnBrk="1" latinLnBrk="0" hangingPunct="1">
+              <a:defRPr sz="1800" kern="1200">
+                <a:solidFill>
+                  <a:schemeClr val="tx1"/>
+                </a:solidFill>
+                <a:latin typeface="+mn-lt"/>
+                <a:ea typeface="+mn-ea"/>
+                <a:cs typeface="+mn-cs"/>
+              </a:defRPr>
+            </a:lvl8pPr>
+            <a:lvl9pPr marL="3657600" algn="l" defTabSz="914400" rtl="0" eaLnBrk="1" latinLnBrk="0" hangingPunct="1">
+              <a:defRPr sz="1800" kern="1200">
+                <a:solidFill>
+                  <a:schemeClr val="tx1"/>
+                </a:solidFill>
+                <a:latin typeface="+mn-lt"/>
+                <a:ea typeface="+mn-ea"/>
+                <a:cs typeface="+mn-cs"/>
+              </a:defRPr>
+            </a:lvl9pPr>
+          </a:lstStyle>
+          <a:p>
+            <a:r>
+              <a:rPr lang="en-US" sz="3600" dirty="0">
+                <a:latin typeface="+mj-lt"/>
+              </a:rPr>
+              <a:t>Next Steps</a:t>
+            </a:r>
+          </a:p>
+        </p:txBody>
+      </p:sp>
+      <p:sp>
+        <p:nvSpPr>
+          <p:cNvPr id="5" name="Content Placeholder 2">
+            <a:extLst>
+              <a:ext uri="{FF2B5EF4-FFF2-40B4-BE49-F238E27FC236}">
+                <a16:creationId xmlns:a16="http://schemas.microsoft.com/office/drawing/2014/main" id="{5433DE5E-2C08-B940-8F56-602313E7210C}"/>
+              </a:ext>
+            </a:extLst>
+          </p:cNvPr>
+          <p:cNvSpPr txBox="1">
+            <a:spLocks/>
+          </p:cNvSpPr>
+          <p:nvPr/>
+        </p:nvSpPr>
+        <p:spPr>
+          <a:xfrm>
+            <a:off x="504054" y="1995985"/>
+            <a:ext cx="4414027" cy="4051300"/>
+          </a:xfrm>
+          <a:prstGeom prst="rect">
+            <a:avLst/>
+          </a:prstGeom>
+        </p:spPr>
+        <p:txBody>
+          <a:bodyPr vert="horz" wrap="square" lIns="0" tIns="0" rIns="0" bIns="0" rtlCol="0">
+            <a:normAutofit/>
+          </a:bodyPr>
+          <a:lstStyle>
+            <a:defPPr>
+              <a:defRPr lang="en-US"/>
+            </a:defPPr>
+            <a:lvl1pPr marL="0" algn="l" defTabSz="914400" rtl="0" eaLnBrk="1" latinLnBrk="0" hangingPunct="1">
+              <a:defRPr sz="1800" kern="1200">
+                <a:solidFill>
+                  <a:schemeClr val="tx1"/>
+                </a:solidFill>
+                <a:latin typeface="+mn-lt"/>
+                <a:ea typeface="+mn-ea"/>
+                <a:cs typeface="+mn-cs"/>
+              </a:defRPr>
+            </a:lvl1pPr>
+            <a:lvl2pPr marL="457200" algn="l" defTabSz="914400" rtl="0" eaLnBrk="1" latinLnBrk="0" hangingPunct="1">
+              <a:defRPr sz="1800" kern="1200">
+                <a:solidFill>
+                  <a:schemeClr val="tx1"/>
+                </a:solidFill>
+                <a:latin typeface="+mn-lt"/>
+                <a:ea typeface="+mn-ea"/>
+                <a:cs typeface="+mn-cs"/>
+              </a:defRPr>
+            </a:lvl2pPr>
+            <a:lvl3pPr marL="914400" algn="l" defTabSz="914400" rtl="0" eaLnBrk="1" latinLnBrk="0" hangingPunct="1">
+              <a:defRPr sz="1800" kern="1200">
+                <a:solidFill>
+                  <a:schemeClr val="tx1"/>
+                </a:solidFill>
+                <a:latin typeface="+mn-lt"/>
+                <a:ea typeface="+mn-ea"/>
+                <a:cs typeface="+mn-cs"/>
+              </a:defRPr>
+            </a:lvl3pPr>
+            <a:lvl4pPr marL="1371600" algn="l" defTabSz="914400" rtl="0" eaLnBrk="1" latinLnBrk="0" hangingPunct="1">
+              <a:defRPr sz="1800" kern="1200">
+                <a:solidFill>
+                  <a:schemeClr val="tx1"/>
+                </a:solidFill>
+                <a:latin typeface="+mn-lt"/>
+                <a:ea typeface="+mn-ea"/>
+                <a:cs typeface="+mn-cs"/>
+              </a:defRPr>
+            </a:lvl4pPr>
+            <a:lvl5pPr marL="1828800" algn="l" defTabSz="914400" rtl="0" eaLnBrk="1" latinLnBrk="0" hangingPunct="1">
+              <a:defRPr sz="1800" kern="1200">
+                <a:solidFill>
+                  <a:schemeClr val="tx1"/>
+                </a:solidFill>
+                <a:latin typeface="+mn-lt"/>
+                <a:ea typeface="+mn-ea"/>
+                <a:cs typeface="+mn-cs"/>
+              </a:defRPr>
+            </a:lvl5pPr>
+            <a:lvl6pPr marL="2286000" algn="l" defTabSz="914400" rtl="0" eaLnBrk="1" latinLnBrk="0" hangingPunct="1">
+              <a:defRPr sz="1800" kern="1200">
+                <a:solidFill>
+                  <a:schemeClr val="tx1"/>
+                </a:solidFill>
+                <a:latin typeface="+mn-lt"/>
+                <a:ea typeface="+mn-ea"/>
+                <a:cs typeface="+mn-cs"/>
+              </a:defRPr>
+            </a:lvl6pPr>
+            <a:lvl7pPr marL="2743200" algn="l" defTabSz="914400" rtl="0" eaLnBrk="1" latinLnBrk="0" hangingPunct="1">
+              <a:defRPr sz="1800" kern="1200">
+                <a:solidFill>
+                  <a:schemeClr val="tx1"/>
+                </a:solidFill>
+                <a:latin typeface="+mn-lt"/>
+                <a:ea typeface="+mn-ea"/>
+                <a:cs typeface="+mn-cs"/>
+              </a:defRPr>
+            </a:lvl7pPr>
+            <a:lvl8pPr marL="3200400" algn="l" defTabSz="914400" rtl="0" eaLnBrk="1" latinLnBrk="0" hangingPunct="1">
+              <a:defRPr sz="1800" kern="1200">
+                <a:solidFill>
+                  <a:schemeClr val="tx1"/>
+                </a:solidFill>
+                <a:latin typeface="+mn-lt"/>
+                <a:ea typeface="+mn-ea"/>
+                <a:cs typeface="+mn-cs"/>
+              </a:defRPr>
+            </a:lvl8pPr>
+            <a:lvl9pPr marL="3657600" algn="l" defTabSz="914400" rtl="0" eaLnBrk="1" latinLnBrk="0" hangingPunct="1">
+              <a:defRPr sz="1800" kern="1200">
+                <a:solidFill>
+                  <a:schemeClr val="tx1"/>
+                </a:solidFill>
+                <a:latin typeface="+mn-lt"/>
+                <a:ea typeface="+mn-ea"/>
+                <a:cs typeface="+mn-cs"/>
+              </a:defRPr>
+            </a:lvl9pPr>
+          </a:lstStyle>
+          <a:p>
+            <a:pPr>
+              <a:lnSpc>
+                <a:spcPct val="90000"/>
+              </a:lnSpc>
+            </a:pPr>
+            <a:endParaRPr lang="en-US" sz="2400" dirty="0"/>
+          </a:p>
+          <a:p>
+            <a:pPr>
+              <a:lnSpc>
+                <a:spcPct val="90000"/>
+              </a:lnSpc>
+            </a:pPr>
+            <a:endParaRPr lang="en-US" sz="2400" dirty="0"/>
+          </a:p>
+          <a:p>
+            <a:pPr>
+              <a:lnSpc>
+                <a:spcPct val="90000"/>
+              </a:lnSpc>
+            </a:pPr>
+            <a:endParaRPr lang="en-US" sz="2400" dirty="0"/>
+          </a:p>
+        </p:txBody>
+      </p:sp>
+      <p:sp>
+        <p:nvSpPr>
+          <p:cNvPr id="6" name="Rectangle 5">
+            <a:extLst>
+              <a:ext uri="{FF2B5EF4-FFF2-40B4-BE49-F238E27FC236}">
+                <a16:creationId xmlns:a16="http://schemas.microsoft.com/office/drawing/2014/main" id="{FB48FDF8-30BE-B040-AE32-6A8989D5F721}"/>
+              </a:ext>
+            </a:extLst>
+          </p:cNvPr>
+          <p:cNvSpPr/>
+          <p:nvPr/>
+        </p:nvSpPr>
+        <p:spPr bwMode="auto">
+          <a:xfrm>
+            <a:off x="5992369" y="1364712"/>
+            <a:ext cx="5715000" cy="4475202"/>
+          </a:xfrm>
+          <a:prstGeom prst="rect">
+            <a:avLst/>
+          </a:prstGeom>
+          <a:noFill/>
+          <a:ln w="9525" cap="flat" cmpd="sng" algn="ctr">
+            <a:solidFill>
+              <a:schemeClr val="accent1"/>
+            </a:solidFill>
+            <a:prstDash val="solid"/>
+            <a:round/>
+            <a:headEnd type="none" w="med" len="med"/>
+            <a:tailEnd type="none" w="med" len="med"/>
+          </a:ln>
+        </p:spPr>
+        <p:style>
+          <a:lnRef idx="0">
+            <a:scrgbClr r="0" g="0" b="0"/>
+          </a:lnRef>
+          <a:fillRef idx="0">
+            <a:scrgbClr r="0" g="0" b="0"/>
+          </a:fillRef>
+          <a:effectRef idx="0">
+            <a:scrgbClr r="0" g="0" b="0"/>
+          </a:effectRef>
+          <a:fontRef idx="minor">
+            <a:schemeClr val="accent1"/>
+          </a:fontRef>
+        </p:style>
+        <p:txBody>
+          <a:bodyPr rot="0" spcFirstLastPara="0" vert="horz" wrap="square" lIns="182880" tIns="146304" rIns="182880" bIns="146304" numCol="1" spcCol="0" rtlCol="0" fromWordArt="0" anchor="t" anchorCtr="0" forceAA="0" compatLnSpc="1">
+            <a:prstTxWarp prst="textNoShape">
+              <a:avLst/>
+            </a:prstTxWarp>
+            <a:noAutofit/>
+          </a:bodyPr>
+          <a:lstStyle>
+            <a:defPPr>
+              <a:defRPr lang="en-US"/>
+            </a:defPPr>
+            <a:lvl1pPr marL="0" algn="l" defTabSz="914400" rtl="0" eaLnBrk="1" latinLnBrk="0" hangingPunct="1">
+              <a:defRPr sz="1800" kern="1200">
+                <a:solidFill>
+                  <a:schemeClr val="accent1"/>
+                </a:solidFill>
+                <a:latin typeface="+mn-lt"/>
+                <a:ea typeface="+mn-ea"/>
+                <a:cs typeface="+mn-cs"/>
+              </a:defRPr>
+            </a:lvl1pPr>
+            <a:lvl2pPr marL="457200" algn="l" defTabSz="914400" rtl="0" eaLnBrk="1" latinLnBrk="0" hangingPunct="1">
+              <a:defRPr sz="1800" kern="1200">
+                <a:solidFill>
+                  <a:schemeClr val="accent1"/>
+                </a:solidFill>
+                <a:latin typeface="+mn-lt"/>
+                <a:ea typeface="+mn-ea"/>
+                <a:cs typeface="+mn-cs"/>
+              </a:defRPr>
+            </a:lvl2pPr>
+            <a:lvl3pPr marL="914400" algn="l" defTabSz="914400" rtl="0" eaLnBrk="1" latinLnBrk="0" hangingPunct="1">
+              <a:defRPr sz="1800" kern="1200">
+                <a:solidFill>
+                  <a:schemeClr val="accent1"/>
+                </a:solidFill>
+                <a:latin typeface="+mn-lt"/>
+                <a:ea typeface="+mn-ea"/>
+                <a:cs typeface="+mn-cs"/>
+              </a:defRPr>
+            </a:lvl3pPr>
+            <a:lvl4pPr marL="1371600" algn="l" defTabSz="914400" rtl="0" eaLnBrk="1" latinLnBrk="0" hangingPunct="1">
+              <a:defRPr sz="1800" kern="1200">
+                <a:solidFill>
+                  <a:schemeClr val="accent1"/>
+                </a:solidFill>
+                <a:latin typeface="+mn-lt"/>
+                <a:ea typeface="+mn-ea"/>
+                <a:cs typeface="+mn-cs"/>
+              </a:defRPr>
+            </a:lvl4pPr>
+            <a:lvl5pPr marL="1828800" algn="l" defTabSz="914400" rtl="0" eaLnBrk="1" latinLnBrk="0" hangingPunct="1">
+              <a:defRPr sz="1800" kern="1200">
+                <a:solidFill>
+                  <a:schemeClr val="accent1"/>
+                </a:solidFill>
+                <a:latin typeface="+mn-lt"/>
+                <a:ea typeface="+mn-ea"/>
+                <a:cs typeface="+mn-cs"/>
+              </a:defRPr>
+            </a:lvl5pPr>
+            <a:lvl6pPr marL="2286000" algn="l" defTabSz="914400" rtl="0" eaLnBrk="1" latinLnBrk="0" hangingPunct="1">
+              <a:defRPr sz="1800" kern="1200">
+                <a:solidFill>
+                  <a:schemeClr val="accent1"/>
+                </a:solidFill>
+                <a:latin typeface="+mn-lt"/>
+                <a:ea typeface="+mn-ea"/>
+                <a:cs typeface="+mn-cs"/>
+              </a:defRPr>
+            </a:lvl6pPr>
+            <a:lvl7pPr marL="2743200" algn="l" defTabSz="914400" rtl="0" eaLnBrk="1" latinLnBrk="0" hangingPunct="1">
+              <a:defRPr sz="1800" kern="1200">
+                <a:solidFill>
+                  <a:schemeClr val="accent1"/>
+                </a:solidFill>
+                <a:latin typeface="+mn-lt"/>
+                <a:ea typeface="+mn-ea"/>
+                <a:cs typeface="+mn-cs"/>
+              </a:defRPr>
+            </a:lvl7pPr>
+            <a:lvl8pPr marL="3200400" algn="l" defTabSz="914400" rtl="0" eaLnBrk="1" latinLnBrk="0" hangingPunct="1">
+              <a:defRPr sz="1800" kern="1200">
+                <a:solidFill>
+                  <a:schemeClr val="accent1"/>
+                </a:solidFill>
+                <a:latin typeface="+mn-lt"/>
+                <a:ea typeface="+mn-ea"/>
+                <a:cs typeface="+mn-cs"/>
+              </a:defRPr>
+            </a:lvl8pPr>
+            <a:lvl9pPr marL="3657600" algn="l" defTabSz="914400" rtl="0" eaLnBrk="1" latinLnBrk="0" hangingPunct="1">
+              <a:defRPr sz="1800" kern="1200">
+                <a:solidFill>
+                  <a:schemeClr val="accent1"/>
+                </a:solidFill>
+                <a:latin typeface="+mn-lt"/>
+                <a:ea typeface="+mn-ea"/>
+                <a:cs typeface="+mn-cs"/>
+              </a:defRPr>
+            </a:lvl9pPr>
+          </a:lstStyle>
+          <a:p>
+            <a:pPr algn="l" defTabSz="932472" fontAlgn="base">
+              <a:spcBef>
+                <a:spcPct val="0"/>
+              </a:spcBef>
+              <a:spcAft>
+                <a:spcPct val="0"/>
+              </a:spcAft>
+            </a:pPr>
+            <a:endParaRPr lang="en-US" sz="2000" dirty="0" err="1">
+              <a:solidFill>
+                <a:srgbClr val="FFFFFF"/>
+              </a:solidFill>
+              <a:ea typeface="Segoe UI" pitchFamily="34" charset="0"/>
+              <a:cs typeface="Segoe UI" pitchFamily="34" charset="0"/>
+            </a:endParaRPr>
+          </a:p>
+        </p:txBody>
+      </p:sp>
+      <p:sp>
+        <p:nvSpPr>
+          <p:cNvPr id="7" name="TextBox 10">
+            <a:extLst>
+              <a:ext uri="{FF2B5EF4-FFF2-40B4-BE49-F238E27FC236}">
+                <a16:creationId xmlns:a16="http://schemas.microsoft.com/office/drawing/2014/main" id="{BDFA5B89-ECF9-6F40-B90A-CAEB3980C3A9}"/>
+              </a:ext>
+            </a:extLst>
+          </p:cNvPr>
+          <p:cNvSpPr txBox="1"/>
+          <p:nvPr/>
+        </p:nvSpPr>
+        <p:spPr>
+          <a:xfrm>
+            <a:off x="6293540" y="1788614"/>
+            <a:ext cx="5211763" cy="4051300"/>
+          </a:xfrm>
+          <a:prstGeom prst="rect">
+            <a:avLst/>
+          </a:prstGeom>
+        </p:spPr>
+        <p:txBody>
+          <a:bodyPr vert="horz" wrap="square" lIns="0" tIns="0" rIns="0" bIns="0" rtlCol="0">
+            <a:normAutofit/>
+          </a:bodyPr>
+          <a:lstStyle>
+            <a:defPPr>
+              <a:defRPr lang="en-US"/>
+            </a:defPPr>
+            <a:lvl1pPr marL="0" algn="l" defTabSz="914400" rtl="0" eaLnBrk="1" latinLnBrk="0" hangingPunct="1">
+              <a:defRPr sz="1800" kern="1200">
+                <a:solidFill>
+                  <a:schemeClr val="tx1"/>
+                </a:solidFill>
+                <a:latin typeface="+mn-lt"/>
+                <a:ea typeface="+mn-ea"/>
+                <a:cs typeface="+mn-cs"/>
+              </a:defRPr>
+            </a:lvl1pPr>
+            <a:lvl2pPr marL="457200" algn="l" defTabSz="914400" rtl="0" eaLnBrk="1" latinLnBrk="0" hangingPunct="1">
+              <a:defRPr sz="1800" kern="1200">
+                <a:solidFill>
+                  <a:schemeClr val="tx1"/>
+                </a:solidFill>
+                <a:latin typeface="+mn-lt"/>
+                <a:ea typeface="+mn-ea"/>
+                <a:cs typeface="+mn-cs"/>
+              </a:defRPr>
+            </a:lvl2pPr>
+            <a:lvl3pPr marL="914400" algn="l" defTabSz="914400" rtl="0" eaLnBrk="1" latinLnBrk="0" hangingPunct="1">
+              <a:defRPr sz="1800" kern="1200">
+                <a:solidFill>
+                  <a:schemeClr val="tx1"/>
+                </a:solidFill>
+                <a:latin typeface="+mn-lt"/>
+                <a:ea typeface="+mn-ea"/>
+                <a:cs typeface="+mn-cs"/>
+              </a:defRPr>
+            </a:lvl3pPr>
+            <a:lvl4pPr marL="1371600" algn="l" defTabSz="914400" rtl="0" eaLnBrk="1" latinLnBrk="0" hangingPunct="1">
+              <a:defRPr sz="1800" kern="1200">
+                <a:solidFill>
+                  <a:schemeClr val="tx1"/>
+                </a:solidFill>
+                <a:latin typeface="+mn-lt"/>
+                <a:ea typeface="+mn-ea"/>
+                <a:cs typeface="+mn-cs"/>
+              </a:defRPr>
+            </a:lvl4pPr>
+            <a:lvl5pPr marL="1828800" algn="l" defTabSz="914400" rtl="0" eaLnBrk="1" latinLnBrk="0" hangingPunct="1">
+              <a:defRPr sz="1800" kern="1200">
+                <a:solidFill>
+                  <a:schemeClr val="tx1"/>
+                </a:solidFill>
+                <a:latin typeface="+mn-lt"/>
+                <a:ea typeface="+mn-ea"/>
+                <a:cs typeface="+mn-cs"/>
+              </a:defRPr>
+            </a:lvl5pPr>
+            <a:lvl6pPr marL="2286000" algn="l" defTabSz="914400" rtl="0" eaLnBrk="1" latinLnBrk="0" hangingPunct="1">
+              <a:defRPr sz="1800" kern="1200">
+                <a:solidFill>
+                  <a:schemeClr val="tx1"/>
+                </a:solidFill>
+                <a:latin typeface="+mn-lt"/>
+                <a:ea typeface="+mn-ea"/>
+                <a:cs typeface="+mn-cs"/>
+              </a:defRPr>
+            </a:lvl6pPr>
+            <a:lvl7pPr marL="2743200" algn="l" defTabSz="914400" rtl="0" eaLnBrk="1" latinLnBrk="0" hangingPunct="1">
+              <a:defRPr sz="1800" kern="1200">
+                <a:solidFill>
+                  <a:schemeClr val="tx1"/>
+                </a:solidFill>
+                <a:latin typeface="+mn-lt"/>
+                <a:ea typeface="+mn-ea"/>
+                <a:cs typeface="+mn-cs"/>
+              </a:defRPr>
+            </a:lvl7pPr>
+            <a:lvl8pPr marL="3200400" algn="l" defTabSz="914400" rtl="0" eaLnBrk="1" latinLnBrk="0" hangingPunct="1">
+              <a:defRPr sz="1800" kern="1200">
+                <a:solidFill>
+                  <a:schemeClr val="tx1"/>
+                </a:solidFill>
+                <a:latin typeface="+mn-lt"/>
+                <a:ea typeface="+mn-ea"/>
+                <a:cs typeface="+mn-cs"/>
+              </a:defRPr>
+            </a:lvl8pPr>
+            <a:lvl9pPr marL="3657600" algn="l" defTabSz="914400" rtl="0" eaLnBrk="1" latinLnBrk="0" hangingPunct="1">
+              <a:defRPr sz="1800" kern="1200">
+                <a:solidFill>
+                  <a:schemeClr val="tx1"/>
+                </a:solidFill>
+                <a:latin typeface="+mn-lt"/>
+                <a:ea typeface="+mn-ea"/>
+                <a:cs typeface="+mn-cs"/>
+              </a:defRPr>
+            </a:lvl9pPr>
+          </a:lstStyle>
+          <a:p>
+            <a:pPr defTabSz="932742">
+              <a:spcAft>
+                <a:spcPts val="600"/>
+              </a:spcAft>
+              <a:buSzPct val="90000"/>
+            </a:pPr>
+            <a:r>
+              <a:rPr lang="en-US" sz="2400" dirty="0"/>
+              <a:t>Please tell us how you liked this workshop by filling out this survey:</a:t>
+            </a:r>
+            <a:br>
+              <a:rPr lang="en-US" sz="2800" dirty="0"/>
+            </a:br>
+            <a:endParaRPr lang="en-US" sz="2800" dirty="0"/>
+          </a:p>
+          <a:p>
+            <a:pPr defTabSz="932742">
+              <a:spcAft>
+                <a:spcPts val="600"/>
+              </a:spcAft>
+              <a:buSzPct val="90000"/>
+            </a:pPr>
+            <a:r>
+              <a:rPr lang="en-US" sz="2800" dirty="0">
+                <a:hlinkClick r:id="rId2"/>
+              </a:rPr>
+              <a:t>https://aka.ms/workshopomatic-feedback</a:t>
+            </a:r>
+            <a:endParaRPr lang="en-US" sz="2800" dirty="0"/>
+          </a:p>
+          <a:p>
+            <a:pPr defTabSz="932742">
+              <a:spcAft>
+                <a:spcPts val="600"/>
+              </a:spcAft>
+              <a:buSzPct val="90000"/>
+            </a:pPr>
+            <a:endParaRPr lang="en-US" sz="2800" dirty="0"/>
+          </a:p>
+        </p:txBody>
+      </p:sp>
+      <p:sp>
+        <p:nvSpPr>
+          <p:cNvPr id="8" name="Content Placeholder 2">
+            <a:extLst>
+              <a:ext uri="{FF2B5EF4-FFF2-40B4-BE49-F238E27FC236}">
+                <a16:creationId xmlns:a16="http://schemas.microsoft.com/office/drawing/2014/main" id="{0BCF35B7-C8DD-3D49-B34A-770C8BB77AAB}"/>
+              </a:ext>
+            </a:extLst>
+          </p:cNvPr>
+          <p:cNvSpPr txBox="1">
+            <a:spLocks/>
+          </p:cNvSpPr>
+          <p:nvPr/>
+        </p:nvSpPr>
+        <p:spPr>
+          <a:xfrm>
+            <a:off x="586660" y="1676400"/>
+            <a:ext cx="4248814" cy="738664"/>
+          </a:xfrm>
+          <a:prstGeom prst="rect">
+            <a:avLst/>
+          </a:prstGeom>
+        </p:spPr>
+        <p:txBody>
+          <a:bodyPr vert="horz" wrap="square" lIns="0" tIns="0" rIns="0" bIns="0" rtlCol="0">
+            <a:spAutoFit/>
+          </a:bodyPr>
+          <a:lstStyle>
+            <a:defPPr>
+              <a:defRPr lang="en-US"/>
+            </a:defPPr>
+            <a:lvl1pPr marL="0" algn="l" defTabSz="914400" rtl="0" eaLnBrk="1" latinLnBrk="0" hangingPunct="1">
+              <a:defRPr sz="1800" kern="1200">
+                <a:solidFill>
+                  <a:schemeClr val="tx1"/>
+                </a:solidFill>
+                <a:latin typeface="+mn-lt"/>
+                <a:ea typeface="+mn-ea"/>
+                <a:cs typeface="+mn-cs"/>
+              </a:defRPr>
+            </a:lvl1pPr>
+            <a:lvl2pPr marL="457200" algn="l" defTabSz="914400" rtl="0" eaLnBrk="1" latinLnBrk="0" hangingPunct="1">
+              <a:defRPr sz="1800" kern="1200">
+                <a:solidFill>
+                  <a:schemeClr val="tx1"/>
+                </a:solidFill>
+                <a:latin typeface="+mn-lt"/>
+                <a:ea typeface="+mn-ea"/>
+                <a:cs typeface="+mn-cs"/>
+              </a:defRPr>
+            </a:lvl2pPr>
+            <a:lvl3pPr marL="914400" algn="l" defTabSz="914400" rtl="0" eaLnBrk="1" latinLnBrk="0" hangingPunct="1">
+              <a:defRPr sz="1800" kern="1200">
+                <a:solidFill>
+                  <a:schemeClr val="tx1"/>
+                </a:solidFill>
+                <a:latin typeface="+mn-lt"/>
+                <a:ea typeface="+mn-ea"/>
+                <a:cs typeface="+mn-cs"/>
+              </a:defRPr>
+            </a:lvl3pPr>
+            <a:lvl4pPr marL="1371600" algn="l" defTabSz="914400" rtl="0" eaLnBrk="1" latinLnBrk="0" hangingPunct="1">
+              <a:defRPr sz="1800" kern="1200">
+                <a:solidFill>
+                  <a:schemeClr val="tx1"/>
+                </a:solidFill>
+                <a:latin typeface="+mn-lt"/>
+                <a:ea typeface="+mn-ea"/>
+                <a:cs typeface="+mn-cs"/>
+              </a:defRPr>
+            </a:lvl4pPr>
+            <a:lvl5pPr marL="1828800" algn="l" defTabSz="914400" rtl="0" eaLnBrk="1" latinLnBrk="0" hangingPunct="1">
+              <a:defRPr sz="1800" kern="1200">
+                <a:solidFill>
+                  <a:schemeClr val="tx1"/>
+                </a:solidFill>
+                <a:latin typeface="+mn-lt"/>
+                <a:ea typeface="+mn-ea"/>
+                <a:cs typeface="+mn-cs"/>
+              </a:defRPr>
+            </a:lvl5pPr>
+            <a:lvl6pPr marL="2286000" algn="l" defTabSz="914400" rtl="0" eaLnBrk="1" latinLnBrk="0" hangingPunct="1">
+              <a:defRPr sz="1800" kern="1200">
+                <a:solidFill>
+                  <a:schemeClr val="tx1"/>
+                </a:solidFill>
+                <a:latin typeface="+mn-lt"/>
+                <a:ea typeface="+mn-ea"/>
+                <a:cs typeface="+mn-cs"/>
+              </a:defRPr>
+            </a:lvl6pPr>
+            <a:lvl7pPr marL="2743200" algn="l" defTabSz="914400" rtl="0" eaLnBrk="1" latinLnBrk="0" hangingPunct="1">
+              <a:defRPr sz="1800" kern="1200">
+                <a:solidFill>
+                  <a:schemeClr val="tx1"/>
+                </a:solidFill>
+                <a:latin typeface="+mn-lt"/>
+                <a:ea typeface="+mn-ea"/>
+                <a:cs typeface="+mn-cs"/>
+              </a:defRPr>
+            </a:lvl7pPr>
+            <a:lvl8pPr marL="3200400" algn="l" defTabSz="914400" rtl="0" eaLnBrk="1" latinLnBrk="0" hangingPunct="1">
+              <a:defRPr sz="1800" kern="1200">
+                <a:solidFill>
+                  <a:schemeClr val="tx1"/>
+                </a:solidFill>
+                <a:latin typeface="+mn-lt"/>
+                <a:ea typeface="+mn-ea"/>
+                <a:cs typeface="+mn-cs"/>
+              </a:defRPr>
+            </a:lvl8pPr>
+            <a:lvl9pPr marL="3657600" algn="l" defTabSz="914400" rtl="0" eaLnBrk="1" latinLnBrk="0" hangingPunct="1">
+              <a:defRPr sz="1800" kern="1200">
+                <a:solidFill>
+                  <a:schemeClr val="tx1"/>
+                </a:solidFill>
+                <a:latin typeface="+mn-lt"/>
+                <a:ea typeface="+mn-ea"/>
+                <a:cs typeface="+mn-cs"/>
+              </a:defRPr>
+            </a:lvl9pPr>
+          </a:lstStyle>
+          <a:p>
+            <a:pPr algn="l"/>
+            <a:r>
+              <a:rPr lang="en-US" sz="2400" b="0" i="0" dirty="0">
+                <a:solidFill>
+                  <a:srgbClr val="24292F"/>
+                </a:solidFill>
+                <a:effectLst/>
+                <a:latin typeface="-apple-system"/>
+              </a:rPr>
+              <a:t>Explore </a:t>
+            </a:r>
+            <a:r>
+              <a:rPr lang="en-US" sz="2400" b="0" i="0" u="none" strike="noStrike" dirty="0">
+                <a:effectLst/>
+                <a:latin typeface="-apple-system"/>
+                <a:hlinkClick r:id="rId3" tooltip="https://docs.microsoft.com/learn/modules/explore-analyze-data-with-python/"/>
+              </a:rPr>
+              <a:t>this learning path on Data Science with Notebooks</a:t>
+            </a:r>
+            <a:r>
+              <a:rPr lang="en-US" sz="2400" b="0" i="0" dirty="0">
+                <a:solidFill>
+                  <a:srgbClr val="24292F"/>
+                </a:solidFill>
+                <a:effectLst/>
+                <a:latin typeface="-apple-system"/>
+              </a:rPr>
+              <a:t> </a:t>
+            </a:r>
+            <a:endParaRPr lang="en-US" sz="2400" b="0" i="0" dirty="0">
+              <a:solidFill>
+                <a:srgbClr val="24292F"/>
+              </a:solidFill>
+              <a:effectLst/>
+            </a:endParaRPr>
+          </a:p>
+        </p:txBody>
+      </p:sp>
+      <p:sp>
+        <p:nvSpPr>
+          <p:cNvPr id="9" name="TextBox 8">
+            <a:extLst>
+              <a:ext uri="{FF2B5EF4-FFF2-40B4-BE49-F238E27FC236}">
+                <a16:creationId xmlns:a16="http://schemas.microsoft.com/office/drawing/2014/main" id="{494BE90A-CB46-9745-81D8-4DDAD5F43F96}"/>
+              </a:ext>
+            </a:extLst>
+          </p:cNvPr>
+          <p:cNvSpPr txBox="1"/>
+          <p:nvPr/>
+        </p:nvSpPr>
+        <p:spPr>
+          <a:xfrm>
+            <a:off x="1620971" y="954157"/>
+            <a:ext cx="65" cy="307777"/>
+          </a:xfrm>
+          <a:prstGeom prst="rect">
+            <a:avLst/>
+          </a:prstGeom>
+          <a:noFill/>
+        </p:spPr>
+        <p:txBody>
+          <a:bodyPr wrap="none" lIns="0" tIns="0" rIns="0" bIns="0" rtlCol="0">
+            <a:spAutoFit/>
+          </a:bodyPr>
+          <a:lstStyle>
+            <a:defPPr>
+              <a:defRPr lang="en-US"/>
+            </a:defPPr>
+            <a:lvl1pPr marL="0" algn="l" defTabSz="914400" rtl="0" eaLnBrk="1" latinLnBrk="0" hangingPunct="1">
+              <a:defRPr sz="1800" kern="1200">
+                <a:solidFill>
+                  <a:schemeClr val="tx1"/>
+                </a:solidFill>
+                <a:latin typeface="+mn-lt"/>
+                <a:ea typeface="+mn-ea"/>
+                <a:cs typeface="+mn-cs"/>
+              </a:defRPr>
+            </a:lvl1pPr>
+            <a:lvl2pPr marL="457200" algn="l" defTabSz="914400" rtl="0" eaLnBrk="1" latinLnBrk="0" hangingPunct="1">
+              <a:defRPr sz="1800" kern="1200">
+                <a:solidFill>
+                  <a:schemeClr val="tx1"/>
+                </a:solidFill>
+                <a:latin typeface="+mn-lt"/>
+                <a:ea typeface="+mn-ea"/>
+                <a:cs typeface="+mn-cs"/>
+              </a:defRPr>
+            </a:lvl2pPr>
+            <a:lvl3pPr marL="914400" algn="l" defTabSz="914400" rtl="0" eaLnBrk="1" latinLnBrk="0" hangingPunct="1">
+              <a:defRPr sz="1800" kern="1200">
+                <a:solidFill>
+                  <a:schemeClr val="tx1"/>
+                </a:solidFill>
+                <a:latin typeface="+mn-lt"/>
+                <a:ea typeface="+mn-ea"/>
+                <a:cs typeface="+mn-cs"/>
+              </a:defRPr>
+            </a:lvl3pPr>
+            <a:lvl4pPr marL="1371600" algn="l" defTabSz="914400" rtl="0" eaLnBrk="1" latinLnBrk="0" hangingPunct="1">
+              <a:defRPr sz="1800" kern="1200">
+                <a:solidFill>
+                  <a:schemeClr val="tx1"/>
+                </a:solidFill>
+                <a:latin typeface="+mn-lt"/>
+                <a:ea typeface="+mn-ea"/>
+                <a:cs typeface="+mn-cs"/>
+              </a:defRPr>
+            </a:lvl4pPr>
+            <a:lvl5pPr marL="1828800" algn="l" defTabSz="914400" rtl="0" eaLnBrk="1" latinLnBrk="0" hangingPunct="1">
+              <a:defRPr sz="1800" kern="1200">
+                <a:solidFill>
+                  <a:schemeClr val="tx1"/>
+                </a:solidFill>
+                <a:latin typeface="+mn-lt"/>
+                <a:ea typeface="+mn-ea"/>
+                <a:cs typeface="+mn-cs"/>
+              </a:defRPr>
+            </a:lvl5pPr>
+            <a:lvl6pPr marL="2286000" algn="l" defTabSz="914400" rtl="0" eaLnBrk="1" latinLnBrk="0" hangingPunct="1">
+              <a:defRPr sz="1800" kern="1200">
+                <a:solidFill>
+                  <a:schemeClr val="tx1"/>
+                </a:solidFill>
+                <a:latin typeface="+mn-lt"/>
+                <a:ea typeface="+mn-ea"/>
+                <a:cs typeface="+mn-cs"/>
+              </a:defRPr>
+            </a:lvl6pPr>
+            <a:lvl7pPr marL="2743200" algn="l" defTabSz="914400" rtl="0" eaLnBrk="1" latinLnBrk="0" hangingPunct="1">
+              <a:defRPr sz="1800" kern="1200">
+                <a:solidFill>
+                  <a:schemeClr val="tx1"/>
+                </a:solidFill>
+                <a:latin typeface="+mn-lt"/>
+                <a:ea typeface="+mn-ea"/>
+                <a:cs typeface="+mn-cs"/>
+              </a:defRPr>
+            </a:lvl7pPr>
+            <a:lvl8pPr marL="3200400" algn="l" defTabSz="914400" rtl="0" eaLnBrk="1" latinLnBrk="0" hangingPunct="1">
+              <a:defRPr sz="1800" kern="1200">
+                <a:solidFill>
+                  <a:schemeClr val="tx1"/>
+                </a:solidFill>
+                <a:latin typeface="+mn-lt"/>
+                <a:ea typeface="+mn-ea"/>
+                <a:cs typeface="+mn-cs"/>
+              </a:defRPr>
+            </a:lvl8pPr>
+            <a:lvl9pPr marL="3657600" algn="l" defTabSz="914400" rtl="0" eaLnBrk="1" latinLnBrk="0" hangingPunct="1">
+              <a:defRPr sz="1800" kern="1200">
+                <a:solidFill>
+                  <a:schemeClr val="tx1"/>
+                </a:solidFill>
+                <a:latin typeface="+mn-lt"/>
+                <a:ea typeface="+mn-ea"/>
+                <a:cs typeface="+mn-cs"/>
+              </a:defRPr>
+            </a:lvl9pPr>
+          </a:lstStyle>
+          <a:p>
+            <a:pPr algn="l"/>
+            <a:endParaRPr lang="en-US" sz="2000" dirty="0" err="1"/>
+          </a:p>
+        </p:txBody>
+      </p:sp>
+    </p:spTree>
+    <p:extLst>
+      <p:ext uri="{BB962C8B-B14F-4D97-AF65-F5344CB8AC3E}">
+        <p14:creationId xmlns:p14="http://schemas.microsoft.com/office/powerpoint/2010/main" val="152864066"/>
+      </p:ext>
+    </p:extLst>
+  </p:cSld>
+  <p:clrMapOvr>
+    <a:masterClrMapping/>
+  </p:clrMapOvr>
+  <p:transition>
+    <p:fade/>
+  </p:transition>
+</p:sld>
+</file>
+
+<file path=ppt/slides/slide32.xml><?xml version="1.0" encoding="utf-8"?>
+<p:sld xmlns:a="http://schemas.openxmlformats.org/drawingml/2006/main" xmlns:r="http://schemas.openxmlformats.org/officeDocument/2006/relationships" xmlns:p="http://schemas.openxmlformats.org/presentationml/2006/main">
+  <p:cSld>
+    <p:spTree>
+      <p:nvGrpSpPr>
+        <p:cNvPr id="1" name=""/>
+        <p:cNvGrpSpPr/>
+        <p:nvPr/>
+      </p:nvGrpSpPr>
+      <p:grpSpPr>
+        <a:xfrm>
+          <a:off x="0" y="0"/>
+          <a:ext cx="0" cy="0"/>
+          <a:chOff x="0" y="0"/>
+          <a:chExt cx="0" cy="0"/>
+        </a:xfrm>
+      </p:grpSpPr>
     </p:spTree>
   </p:cSld>
   <p:clrMapOvr>
